--- a/training-cards/agile moves/Ideas (IDE)/ger/apprentice/ger_IDE_07_Ideen_priorisieren_AM_A.pptx
+++ b/training-cards/agile moves/Ideas (IDE)/ger/apprentice/ger_IDE_07_Ideen_priorisieren_AM_A.pptx
@@ -107,7 +107,7 @@
   </p:defaultTextStyle>
   <p:extLst>
     <p:ext uri="{EFAFB233-063F-42B5-8137-9DF3F51BA10A}">
-      <p15:sldGuideLst xmlns:p15="http://schemas.microsoft.com/office/powerpoint/2012/main" xmlns="">
+      <p15:sldGuideLst xmlns="" xmlns:p15="http://schemas.microsoft.com/office/powerpoint/2012/main">
         <p15:guide id="1" orient="horz" pos="1103">
           <p15:clr>
             <a:srgbClr val="A4A3A4"/>
@@ -582,7 +582,7 @@
                 <a:latin typeface="Avenir Light"/>
                 <a:cs typeface="Avenir Light"/>
               </a:rPr>
-              <a:t>21.11.15</a:t>
+              <a:t>30.11.15</a:t>
             </a:fld>
             <a:endParaRPr lang="de-DE" sz="600" dirty="0">
               <a:solidFill>
@@ -900,7 +900,7 @@
           <a:p>
             <a:fld id="{FF5B2BAF-DF38-0A48-A798-0C06E514FD52}" type="datetimeFigureOut">
               <a:rPr lang="de-DE" smtClean="0"/>
-              <a:t>21.11.15</a:t>
+              <a:t>30.11.15</a:t>
             </a:fld>
             <a:endParaRPr lang="de-DE" dirty="0"/>
           </a:p>
@@ -1316,17 +1316,7 @@
                 <a:latin typeface="Avenir Heavy"/>
                 <a:cs typeface="Avenir Heavy"/>
               </a:rPr>
-              <a:t>IDE </a:t>
-            </a:r>
-            <a:r>
-              <a:rPr lang="de-DE" sz="1050" b="0" baseline="0" dirty="0" smtClean="0">
-                <a:solidFill>
-                  <a:schemeClr val="bg1"/>
-                </a:solidFill>
-                <a:latin typeface="Avenir Heavy"/>
-                <a:cs typeface="Avenir Heavy"/>
-              </a:rPr>
-              <a:t>07</a:t>
+              <a:t>IDE 07</a:t>
             </a:r>
             <a:endParaRPr lang="de-DE" sz="1050" b="1" dirty="0">
               <a:solidFill>
@@ -2197,13 +2187,40 @@
                 <a:ea typeface="Avenir Book" charset="0"/>
                 <a:cs typeface="Avenir Book" charset="0"/>
               </a:rPr>
-              <a:t>Schau Dir Deine Ideenbacklog an und gewichte Deine Ideen.</a:t>
-            </a:r>
-            <a:endParaRPr lang="de-DE" sz="1100" dirty="0" smtClean="0">
-              <a:latin typeface="Avenir Book" charset="0"/>
-              <a:ea typeface="Avenir Book" charset="0"/>
-              <a:cs typeface="Avenir Book" charset="0"/>
-            </a:endParaRPr>
+              <a:t>Schau Dir </a:t>
+            </a:r>
+            <a:r>
+              <a:rPr lang="de-DE" sz="1100" dirty="0" smtClean="0">
+                <a:latin typeface="Avenir Book" charset="0"/>
+                <a:ea typeface="Avenir Book" charset="0"/>
+                <a:cs typeface="Avenir Book" charset="0"/>
+              </a:rPr>
+              <a:t>Dein </a:t>
+            </a:r>
+            <a:r>
+              <a:rPr lang="de-DE" sz="1100" dirty="0" smtClean="0">
+                <a:latin typeface="Avenir Book" charset="0"/>
+                <a:ea typeface="Avenir Book" charset="0"/>
+                <a:cs typeface="Avenir Book" charset="0"/>
+              </a:rPr>
+              <a:t>Ideenbacklog </a:t>
+            </a:r>
+            <a:r>
+              <a:rPr lang="de-DE" sz="1100" dirty="0" smtClean="0">
+                <a:latin typeface="Avenir Book" charset="0"/>
+                <a:ea typeface="Avenir Book" charset="0"/>
+                <a:cs typeface="Avenir Book" charset="0"/>
+              </a:rPr>
+              <a:t>durch und </a:t>
+            </a:r>
+            <a:r>
+              <a:rPr lang="de-DE" sz="1100" dirty="0" smtClean="0">
+                <a:latin typeface="Avenir Book" charset="0"/>
+                <a:ea typeface="Avenir Book" charset="0"/>
+                <a:cs typeface="Avenir Book" charset="0"/>
+              </a:rPr>
+              <a:t>gewichte Deine Ideen.</a:t>
+            </a:r>
           </a:p>
           <a:p>
             <a:pPr>
@@ -2266,7 +2283,62 @@
                 <a:ea typeface="Avenir Book" charset="0"/>
                 <a:cs typeface="Avenir Book" charset="0"/>
               </a:rPr>
-              <a:t>Zeige Dein priorisiertes Ideen </a:t>
+              <a:t>Gewichte in zwei Wochen mindestens acht Ideen. Schau </a:t>
+            </a:r>
+            <a:r>
+              <a:rPr lang="de-DE" sz="1100" smtClean="0">
+                <a:latin typeface="Avenir Book" charset="0"/>
+                <a:ea typeface="Avenir Book" charset="0"/>
+                <a:cs typeface="Avenir Book" charset="0"/>
+              </a:rPr>
+              <a:t>dabei Dein </a:t>
+            </a:r>
+            <a:r>
+              <a:rPr lang="de-DE" sz="1100" dirty="0" smtClean="0">
+                <a:latin typeface="Avenir Book" charset="0"/>
+                <a:ea typeface="Avenir Book" charset="0"/>
+                <a:cs typeface="Avenir Book" charset="0"/>
+              </a:rPr>
+              <a:t>Ideenbacklog immer </a:t>
+            </a:r>
+            <a:r>
+              <a:rPr lang="de-DE" sz="1100" smtClean="0">
+                <a:latin typeface="Avenir Book" charset="0"/>
+                <a:ea typeface="Avenir Book" charset="0"/>
+                <a:cs typeface="Avenir Book" charset="0"/>
+              </a:rPr>
+              <a:t>wieder durch.</a:t>
+            </a:r>
+            <a:endParaRPr lang="de-DE" sz="1100" dirty="0" smtClean="0">
+              <a:latin typeface="Avenir Book" charset="0"/>
+              <a:ea typeface="Avenir Book" charset="0"/>
+              <a:cs typeface="Avenir Book" charset="0"/>
+            </a:endParaRPr>
+          </a:p>
+          <a:p>
+            <a:pPr>
+              <a:lnSpc>
+                <a:spcPts val="1600"/>
+              </a:lnSpc>
+              <a:spcBef>
+                <a:spcPts val="1000"/>
+              </a:spcBef>
+            </a:pPr>
+            <a:r>
+              <a:rPr lang="de-DE" sz="1100" dirty="0" smtClean="0">
+                <a:latin typeface="Avenir Book" charset="0"/>
+                <a:ea typeface="Avenir Book" charset="0"/>
+                <a:cs typeface="Avenir Book" charset="0"/>
+              </a:rPr>
+              <a:t>Zeige </a:t>
+            </a:r>
+            <a:r>
+              <a:rPr lang="de-DE" sz="1100" dirty="0" smtClean="0">
+                <a:latin typeface="Avenir Book" charset="0"/>
+                <a:ea typeface="Avenir Book" charset="0"/>
+                <a:cs typeface="Avenir Book" charset="0"/>
+              </a:rPr>
+              <a:t>Dein priorisiertes Ideen </a:t>
             </a:r>
             <a:r>
               <a:rPr lang="de-DE" sz="1100" dirty="0" err="1" smtClean="0">
@@ -2274,15 +2346,7 @@
                 <a:ea typeface="Avenir Book" charset="0"/>
                 <a:cs typeface="Avenir Book" charset="0"/>
               </a:rPr>
-              <a:t>B</a:t>
-            </a:r>
-            <a:r>
-              <a:rPr lang="de-DE" sz="1100" dirty="0" err="1" smtClean="0">
-                <a:latin typeface="Avenir Book" charset="0"/>
-                <a:ea typeface="Avenir Book" charset="0"/>
-                <a:cs typeface="Avenir Book" charset="0"/>
-              </a:rPr>
-              <a:t>acklog</a:t>
+              <a:t>Backlog</a:t>
             </a:r>
             <a:r>
               <a:rPr lang="de-DE" sz="1100" dirty="0" smtClean="0">
@@ -2316,12 +2380,7 @@
               </a:rPr>
               <a:t>.</a:t>
             </a:r>
-          </a:p>
-          <a:p>
-            <a:pPr marL="0" indent="0">
-              <a:buNone/>
-            </a:pPr>
-            <a:endParaRPr lang="de-DE" sz="1200" dirty="0">
+            <a:endParaRPr lang="de-DE" sz="1100" dirty="0" smtClean="0">
               <a:latin typeface="Avenir Book" charset="0"/>
               <a:ea typeface="Avenir Book" charset="0"/>
               <a:cs typeface="Avenir Book" charset="0"/>
